--- a/node/lesson-60-express-middleware/express-middleware.pptx
+++ b/node/lesson-60-express-middleware/express-middleware.pptx
@@ -35,7 +35,7 @@
   <p:sldSz cx="9144000" cy="6858000" type="screen4x3"/>
   <p:notesSz cx="6858000" cy="9144000"/>
   <p:custDataLst>
-    <p:tags r:id="rId25"/>
+    <p:tags r:id="rId24"/>
   </p:custDataLst>
   <p:defaultTextStyle>
     <a:defPPr>
@@ -1150,7 +1150,7 @@
   <p:timing>
     <p:tnLst>
       <p:par>
-        <p:cTn xmlns:p14="http://schemas.microsoft.com/office/powerpoint/2010/main" id="1" dur="indefinite" restart="never" nodeType="tmRoot"/>
+        <p:cTn id="1" dur="indefinite" restart="never" nodeType="tmRoot"/>
       </p:par>
     </p:tnLst>
   </p:timing>
@@ -1205,7 +1205,7 @@
           </a:prstGeom>
           <a:noFill/>
           <a:extLst>
-            <a:ext uri="{909E8E84-426E-40dd-AFC4-6F175D3DCCD1}">
+            <a:ext uri="{909E8E84-426E-40DD-AFC4-6F175D3DCCD1}">
               <a14:hiddenFill xmlns:a14="http://schemas.microsoft.com/office/drawing/2010/main">
                 <a:solidFill>
                   <a:srgbClr val="FFFFFF"/>
@@ -1361,7 +1361,7 @@
   <p:timing>
     <p:tnLst>
       <p:par>
-        <p:cTn xmlns:p14="http://schemas.microsoft.com/office/powerpoint/2010/main" id="1" dur="indefinite" restart="never" nodeType="tmRoot"/>
+        <p:cTn id="1" dur="indefinite" restart="never" nodeType="tmRoot"/>
       </p:par>
     </p:tnLst>
   </p:timing>
@@ -1816,7 +1816,7 @@
   <p:timing>
     <p:tnLst>
       <p:par>
-        <p:cTn xmlns:p14="http://schemas.microsoft.com/office/powerpoint/2010/main" id="1" dur="indefinite" restart="never" nodeType="tmRoot"/>
+        <p:cTn id="1" dur="indefinite" restart="never" nodeType="tmRoot"/>
       </p:par>
     </p:tnLst>
   </p:timing>
@@ -2156,7 +2156,7 @@
   <p:timing>
     <p:tnLst>
       <p:par>
-        <p:cTn xmlns:p14="http://schemas.microsoft.com/office/powerpoint/2010/main" id="1" dur="indefinite" restart="never" nodeType="tmRoot"/>
+        <p:cTn id="1" dur="indefinite" restart="never" nodeType="tmRoot"/>
       </p:par>
     </p:tnLst>
   </p:timing>
@@ -2644,7 +2644,7 @@
   <p:timing>
     <p:tnLst>
       <p:par>
-        <p:cTn xmlns:p14="http://schemas.microsoft.com/office/powerpoint/2010/main" id="1" dur="indefinite" restart="never" nodeType="tmRoot"/>
+        <p:cTn id="1" dur="indefinite" restart="never" nodeType="tmRoot"/>
       </p:par>
     </p:tnLst>
   </p:timing>
@@ -2978,7 +2978,6 @@
               <a:rPr lang="en-US" sz="3600" dirty="0" smtClean="0"/>
               <a:t>Express/Connect Middleware</a:t>
             </a:r>
-            <a:endParaRPr lang="en-US" sz="3600" dirty="0" smtClean="0"/>
           </a:p>
         </p:txBody>
       </p:sp>
@@ -3003,7 +3002,7 @@
   <p:timing>
     <p:tnLst>
       <p:par>
-        <p:cTn xmlns:p14="http://schemas.microsoft.com/office/powerpoint/2010/main" id="1" dur="indefinite" restart="never" nodeType="tmRoot"/>
+        <p:cTn id="1" dur="indefinite" restart="never" nodeType="tmRoot"/>
       </p:par>
     </p:tnLst>
   </p:timing>
@@ -3637,11 +3636,7 @@
             </a:r>
             <a:r>
               <a:rPr lang="en-US" dirty="0" smtClean="0"/>
-              <a:t> request </a:t>
-            </a:r>
-            <a:r>
-              <a:rPr lang="en-US" dirty="0" smtClean="0"/>
-              <a:t>header</a:t>
+              <a:t> request header</a:t>
             </a:r>
           </a:p>
           <a:p>
@@ -4192,18 +4187,6 @@
               </a:rPr>
               <a:t> </a:t>
             </a:r>
-            <a:endParaRPr kumimoji="0" lang="en-US" sz="2000" i="1" u="none" strike="noStrike" cap="none" normalizeH="0" baseline="0" dirty="0" smtClean="0">
-              <a:ln>
-                <a:noFill/>
-              </a:ln>
-              <a:solidFill>
-                <a:schemeClr val="tx2">
-                  <a:lumMod val="75000"/>
-                </a:schemeClr>
-              </a:solidFill>
-              <a:effectLst/>
-              <a:latin typeface="Calibri" pitchFamily="34" charset="0"/>
-            </a:endParaRPr>
           </a:p>
         </p:txBody>
       </p:sp>
@@ -4228,7 +4211,7 @@
   <p:timing>
     <p:tnLst>
       <p:par>
-        <p:cTn xmlns:p14="http://schemas.microsoft.com/office/powerpoint/2010/main" id="1" dur="indefinite" restart="never" nodeType="tmRoot"/>
+        <p:cTn id="1" dur="indefinite" restart="never" nodeType="tmRoot"/>
       </p:par>
     </p:tnLst>
   </p:timing>
@@ -4481,7 +4464,7 @@
   <p:timing>
     <p:tnLst>
       <p:par>
-        <p:cTn xmlns:p14="http://schemas.microsoft.com/office/powerpoint/2010/main" id="1" dur="indefinite" restart="never" nodeType="tmRoot"/>
+        <p:cTn id="1" dur="indefinite" restart="never" nodeType="tmRoot"/>
       </p:par>
     </p:tnLst>
   </p:timing>
@@ -5066,18 +5049,6 @@
               </a:rPr>
               <a:t> </a:t>
             </a:r>
-            <a:endParaRPr kumimoji="0" lang="en-US" sz="2000" i="1" u="none" strike="noStrike" cap="none" normalizeH="0" baseline="0" dirty="0" smtClean="0">
-              <a:ln>
-                <a:noFill/>
-              </a:ln>
-              <a:solidFill>
-                <a:schemeClr val="tx2">
-                  <a:lumMod val="75000"/>
-                </a:schemeClr>
-              </a:solidFill>
-              <a:effectLst/>
-              <a:latin typeface="Calibri" pitchFamily="34" charset="0"/>
-            </a:endParaRPr>
           </a:p>
         </p:txBody>
       </p:sp>
@@ -5192,18 +5163,6 @@
               </a:rPr>
               <a:t> </a:t>
             </a:r>
-            <a:endParaRPr kumimoji="0" lang="en-US" sz="2000" i="1" u="none" strike="noStrike" cap="none" normalizeH="0" baseline="0" dirty="0" smtClean="0">
-              <a:ln>
-                <a:noFill/>
-              </a:ln>
-              <a:solidFill>
-                <a:schemeClr val="tx2">
-                  <a:lumMod val="75000"/>
-                </a:schemeClr>
-              </a:solidFill>
-              <a:effectLst/>
-              <a:latin typeface="Calibri" pitchFamily="34" charset="0"/>
-            </a:endParaRPr>
           </a:p>
         </p:txBody>
       </p:sp>
@@ -5262,21 +5221,13 @@
           <a:p>
             <a:r>
               <a:rPr lang="en-US" dirty="0" smtClean="0"/>
-              <a:t>Validated </a:t>
-            </a:r>
+              <a:t>Validated against visitor's session</a:t>
+            </a:r>
+          </a:p>
+          <a:p>
             <a:r>
               <a:rPr lang="en-US" dirty="0" smtClean="0"/>
-              <a:t>against visitor's session</a:t>
-            </a:r>
-          </a:p>
-          <a:p>
-            <a:r>
-              <a:rPr lang="en-US" dirty="0" smtClean="0"/>
-              <a:t>Requires session support </a:t>
-            </a:r>
-            <a:r>
-              <a:rPr lang="en-US" dirty="0" smtClean="0"/>
-              <a:t>so it should be added </a:t>
+              <a:t>Requires session support so it should be added </a:t>
             </a:r>
             <a:r>
               <a:rPr lang="en-US" i="1" dirty="0" smtClean="0"/>
@@ -5291,14 +5242,7 @@
                 <a:latin typeface="Monaco"/>
                 <a:cs typeface="Monaco"/>
               </a:rPr>
-              <a:t>session(</a:t>
-            </a:r>
-            <a:r>
-              <a:rPr lang="en-US" sz="2000" dirty="0" smtClean="0">
-                <a:latin typeface="Monaco"/>
-                <a:cs typeface="Monaco"/>
-              </a:rPr>
-              <a:t>)</a:t>
+              <a:t>session()</a:t>
             </a:r>
           </a:p>
           <a:p>
@@ -5361,7 +5305,7 @@
           <a:p>
             <a:r>
               <a:rPr lang="en-US" dirty="0" err="1" smtClean="0"/>
-              <a:t>csurf</a:t>
+              <a:t>csrf</a:t>
             </a:r>
             <a:endParaRPr lang="en-US" dirty="0"/>
           </a:p>
@@ -5628,7 +5572,7 @@
   <p:timing>
     <p:tnLst>
       <p:par>
-        <p:cTn xmlns:p14="http://schemas.microsoft.com/office/powerpoint/2010/main" id="1" dur="indefinite" restart="never" nodeType="tmRoot"/>
+        <p:cTn id="1" dur="indefinite" restart="never" nodeType="tmRoot"/>
       </p:par>
     </p:tnLst>
   </p:timing>
@@ -6067,7 +6011,7 @@
   <p:timing>
     <p:tnLst>
       <p:par>
-        <p:cTn xmlns:p14="http://schemas.microsoft.com/office/powerpoint/2010/main" id="1" dur="indefinite" restart="never" nodeType="tmRoot"/>
+        <p:cTn id="1" dur="indefinite" restart="never" nodeType="tmRoot"/>
       </p:par>
     </p:tnLst>
   </p:timing>
@@ -6115,11 +6059,7 @@
             </a:r>
             <a:r>
               <a:rPr lang="en-US" dirty="0" smtClean="0"/>
-              <a:t> </a:t>
-            </a:r>
-            <a:r>
-              <a:rPr lang="en-US" dirty="0" smtClean="0"/>
-              <a:t>should be high in the middleware stack because it wraps </a:t>
+              <a:t> should be high in the middleware stack because it wraps </a:t>
             </a:r>
             <a:r>
               <a:rPr lang="en-US" sz="2000" dirty="0" err="1" smtClean="0">
@@ -6161,11 +6101,7 @@
           <a:p>
             <a:r>
               <a:rPr lang="en-US" dirty="0" smtClean="0"/>
-              <a:t>Auto-detects </a:t>
-            </a:r>
-            <a:r>
-              <a:rPr lang="en-US" dirty="0" smtClean="0"/>
-              <a:t>accepted encodings via the </a:t>
+              <a:t>Auto-detects accepted encodings via the </a:t>
             </a:r>
             <a:r>
               <a:rPr lang="en-US" sz="2000" dirty="0" smtClean="0">
@@ -6570,7 +6506,7 @@
   <p:timing>
     <p:tnLst>
       <p:par>
-        <p:cTn xmlns:p14="http://schemas.microsoft.com/office/powerpoint/2010/main" id="1" dur="indefinite" restart="never" nodeType="tmRoot"/>
+        <p:cTn id="1" dur="indefinite" restart="never" nodeType="tmRoot"/>
       </p:par>
     </p:tnLst>
   </p:timing>
@@ -6617,11 +6553,7 @@
           <a:p>
             <a:r>
               <a:rPr lang="en-US" dirty="0" smtClean="0"/>
-              <a:t>Typically </a:t>
-            </a:r>
-            <a:r>
-              <a:rPr lang="en-US" dirty="0" smtClean="0"/>
-              <a:t>declared first in a stack of middleware</a:t>
+              <a:t>Typically declared first in a stack of middleware</a:t>
             </a:r>
             <a:endParaRPr lang="en-US" dirty="0"/>
           </a:p>
@@ -7120,7 +7052,7 @@
   <p:timing>
     <p:tnLst>
       <p:par>
-        <p:cTn xmlns:p14="http://schemas.microsoft.com/office/powerpoint/2010/main" id="1" dur="indefinite" restart="never" nodeType="tmRoot"/>
+        <p:cTn id="1" dur="indefinite" restart="never" nodeType="tmRoot"/>
       </p:par>
     </p:tnLst>
   </p:timing>
@@ -7161,11 +7093,7 @@
           <a:p>
             <a:r>
               <a:rPr lang="en-US" dirty="0" smtClean="0"/>
-              <a:t>High performance static file server which supports browser </a:t>
-            </a:r>
-            <a:r>
-              <a:rPr lang="en-US" dirty="0" smtClean="0"/>
-              <a:t>caching</a:t>
+              <a:t>High performance static file server which supports browser caching</a:t>
             </a:r>
           </a:p>
           <a:p>
@@ -7745,7 +7673,7 @@
   <p:timing>
     <p:tnLst>
       <p:par>
-        <p:cTn xmlns:p14="http://schemas.microsoft.com/office/powerpoint/2010/main" id="1" dur="indefinite" restart="never" nodeType="tmRoot"/>
+        <p:cTn id="1" dur="indefinite" restart="never" nodeType="tmRoot"/>
       </p:par>
     </p:tnLst>
   </p:timing>
@@ -7792,11 +7720,7 @@
           <a:p>
             <a:r>
               <a:rPr lang="en-US" dirty="0" smtClean="0"/>
-              <a:t>Includes search input field, file icons, and clickable </a:t>
-            </a:r>
-            <a:r>
-              <a:rPr lang="en-US" dirty="0" smtClean="0"/>
-              <a:t>breadcrumbs</a:t>
+              <a:t>Includes search input field, file icons, and clickable breadcrumbs</a:t>
             </a:r>
           </a:p>
           <a:p>
@@ -8272,7 +8196,7 @@
   <p:timing>
     <p:tnLst>
       <p:par>
-        <p:cTn xmlns:p14="http://schemas.microsoft.com/office/powerpoint/2010/main" id="1" dur="indefinite" restart="never" nodeType="tmRoot"/>
+        <p:cTn id="1" dur="indefinite" restart="never" nodeType="tmRoot"/>
       </p:par>
     </p:tnLst>
   </p:timing>
@@ -8446,7 +8370,7 @@
   <p:timing>
     <p:tnLst>
       <p:par>
-        <p:cTn xmlns:p14="http://schemas.microsoft.com/office/powerpoint/2010/main" id="1" dur="indefinite" restart="never" nodeType="tmRoot"/>
+        <p:cTn id="1" dur="indefinite" restart="never" nodeType="tmRoot"/>
       </p:par>
     </p:tnLst>
   </p:timing>
@@ -8628,7 +8552,7 @@
   <p:timing>
     <p:tnLst>
       <p:par>
-        <p:cTn xmlns:p14="http://schemas.microsoft.com/office/powerpoint/2010/main" id="1" dur="indefinite" restart="never" nodeType="tmRoot"/>
+        <p:cTn id="1" dur="indefinite" restart="never" nodeType="tmRoot"/>
       </p:par>
     </p:tnLst>
   </p:timing>
@@ -9557,7 +9481,7 @@
   <p:timing>
     <p:tnLst>
       <p:par>
-        <p:cTn xmlns:p14="http://schemas.microsoft.com/office/powerpoint/2010/main" id="1" dur="indefinite" restart="never" nodeType="tmRoot"/>
+        <p:cTn id="1" dur="indefinite" restart="never" nodeType="tmRoot"/>
       </p:par>
     </p:tnLst>
   </p:timing>
@@ -9648,11 +9572,7 @@
             </a:r>
             <a:r>
               <a:rPr lang="en-US" dirty="0" smtClean="0"/>
-              <a:t> </a:t>
-            </a:r>
-            <a:r>
-              <a:rPr lang="en-US" dirty="0" smtClean="0"/>
-              <a:t>property</a:t>
+              <a:t> property</a:t>
             </a:r>
           </a:p>
           <a:p>
@@ -9682,7 +9602,6 @@
               <a:rPr lang="en-US" dirty="0" smtClean="0"/>
               <a:t> encodings</a:t>
             </a:r>
-            <a:endParaRPr lang="en-US" dirty="0" smtClean="0"/>
           </a:p>
           <a:p>
             <a:endParaRPr lang="en-US" dirty="0"/>
@@ -9765,7 +9684,7 @@
   <p:timing>
     <p:tnLst>
       <p:par>
-        <p:cTn xmlns:p14="http://schemas.microsoft.com/office/powerpoint/2010/main" id="1" dur="indefinite" restart="never" nodeType="tmRoot"/>
+        <p:cTn id="1" dur="indefinite" restart="never" nodeType="tmRoot"/>
       </p:par>
     </p:tnLst>
   </p:timing>
@@ -10033,11 +9952,7 @@
           <a:p>
             <a:r>
               <a:rPr lang="en-US" dirty="0" smtClean="0"/>
-              <a:t>body-Parser </a:t>
-            </a:r>
-            <a:r>
-              <a:rPr lang="en-US" dirty="0" smtClean="0"/>
-              <a:t>Example</a:t>
+              <a:t>body-Parser Example</a:t>
             </a:r>
             <a:endParaRPr lang="en-US" dirty="0"/>
           </a:p>
@@ -10811,7 +10726,7 @@
   <p:timing>
     <p:tnLst>
       <p:par>
-        <p:cTn xmlns:p14="http://schemas.microsoft.com/office/powerpoint/2010/main" id="1" dur="indefinite" restart="never" nodeType="tmRoot"/>
+        <p:cTn id="1" dur="indefinite" restart="never" nodeType="tmRoot"/>
       </p:par>
     </p:tnLst>
   </p:timing>
@@ -10855,11 +10770,7 @@
             </a:pPr>
             <a:r>
               <a:rPr lang="en-US" dirty="0" smtClean="0"/>
-              <a:t>Provides customizable </a:t>
-            </a:r>
-            <a:r>
-              <a:rPr lang="en-US" dirty="0" smtClean="0"/>
-              <a:t>log formats for requests</a:t>
+              <a:t>Provides customizable log formats for requests</a:t>
             </a:r>
             <a:endParaRPr lang="en-US" dirty="0"/>
           </a:p>
@@ -11390,7 +11301,7 @@
   <p:timing>
     <p:tnLst>
       <p:par>
-        <p:cTn xmlns:p14="http://schemas.microsoft.com/office/powerpoint/2010/main" id="1" dur="indefinite" restart="never" nodeType="tmRoot"/>
+        <p:cTn id="1" dur="indefinite" restart="never" nodeType="tmRoot"/>
       </p:par>
     </p:tnLst>
   </p:timing>
@@ -11473,11 +11384,7 @@
             </a:r>
             <a:r>
               <a:rPr lang="en-US" dirty="0" smtClean="0"/>
-              <a:t> </a:t>
-            </a:r>
-            <a:r>
-              <a:rPr lang="en-US" dirty="0" smtClean="0"/>
-              <a:t>allows you to utilize </a:t>
+              <a:t> allows you to utilize </a:t>
             </a:r>
             <a:r>
               <a:rPr lang="en-US" sz="2000" dirty="0" smtClean="0">
@@ -11528,11 +11435,7 @@
             </a:r>
             <a:r>
               <a:rPr lang="en-US" dirty="0" smtClean="0"/>
-              <a:t> </a:t>
-            </a:r>
-            <a:r>
-              <a:rPr lang="en-US" dirty="0" smtClean="0"/>
-              <a:t>alters the original </a:t>
+              <a:t> alters the original </a:t>
             </a:r>
             <a:r>
               <a:rPr lang="en-US" sz="2000" dirty="0" err="1" smtClean="0">
@@ -11641,7 +11544,7 @@
   <p:timing>
     <p:tnLst>
       <p:par>
-        <p:cTn xmlns:p14="http://schemas.microsoft.com/office/powerpoint/2010/main" id="1" dur="indefinite" restart="never" nodeType="tmRoot"/>
+        <p:cTn id="1" dur="indefinite" restart="never" nodeType="tmRoot"/>
       </p:par>
     </p:tnLst>
   </p:timing>

--- a/node/lesson-60-express-middleware/express-middleware.pptx
+++ b/node/lesson-60-express-middleware/express-middleware.pptx
@@ -35,7 +35,7 @@
   <p:sldSz cx="9144000" cy="6858000" type="screen4x3"/>
   <p:notesSz cx="6858000" cy="9144000"/>
   <p:custDataLst>
-    <p:tags r:id="rId24"/>
+    <p:tags r:id="rId25"/>
   </p:custDataLst>
   <p:defaultTextStyle>
     <a:defPPr>
@@ -1150,7 +1150,7 @@
   <p:timing>
     <p:tnLst>
       <p:par>
-        <p:cTn id="1" dur="indefinite" restart="never" nodeType="tmRoot"/>
+        <p:cTn xmlns:p14="http://schemas.microsoft.com/office/powerpoint/2010/main" id="1" dur="indefinite" restart="never" nodeType="tmRoot"/>
       </p:par>
     </p:tnLst>
   </p:timing>
@@ -1205,7 +1205,7 @@
           </a:prstGeom>
           <a:noFill/>
           <a:extLst>
-            <a:ext uri="{909E8E84-426E-40DD-AFC4-6F175D3DCCD1}">
+            <a:ext uri="{909E8E84-426E-40dd-AFC4-6F175D3DCCD1}">
               <a14:hiddenFill xmlns:a14="http://schemas.microsoft.com/office/drawing/2010/main">
                 <a:solidFill>
                   <a:srgbClr val="FFFFFF"/>
@@ -1361,7 +1361,7 @@
   <p:timing>
     <p:tnLst>
       <p:par>
-        <p:cTn id="1" dur="indefinite" restart="never" nodeType="tmRoot"/>
+        <p:cTn xmlns:p14="http://schemas.microsoft.com/office/powerpoint/2010/main" id="1" dur="indefinite" restart="never" nodeType="tmRoot"/>
       </p:par>
     </p:tnLst>
   </p:timing>
@@ -1816,7 +1816,7 @@
   <p:timing>
     <p:tnLst>
       <p:par>
-        <p:cTn id="1" dur="indefinite" restart="never" nodeType="tmRoot"/>
+        <p:cTn xmlns:p14="http://schemas.microsoft.com/office/powerpoint/2010/main" id="1" dur="indefinite" restart="never" nodeType="tmRoot"/>
       </p:par>
     </p:tnLst>
   </p:timing>
@@ -2156,7 +2156,7 @@
   <p:timing>
     <p:tnLst>
       <p:par>
-        <p:cTn id="1" dur="indefinite" restart="never" nodeType="tmRoot"/>
+        <p:cTn xmlns:p14="http://schemas.microsoft.com/office/powerpoint/2010/main" id="1" dur="indefinite" restart="never" nodeType="tmRoot"/>
       </p:par>
     </p:tnLst>
   </p:timing>
@@ -2644,7 +2644,7 @@
   <p:timing>
     <p:tnLst>
       <p:par>
-        <p:cTn id="1" dur="indefinite" restart="never" nodeType="tmRoot"/>
+        <p:cTn xmlns:p14="http://schemas.microsoft.com/office/powerpoint/2010/main" id="1" dur="indefinite" restart="never" nodeType="tmRoot"/>
       </p:par>
     </p:tnLst>
   </p:timing>
@@ -3002,7 +3002,7 @@
   <p:timing>
     <p:tnLst>
       <p:par>
-        <p:cTn id="1" dur="indefinite" restart="never" nodeType="tmRoot"/>
+        <p:cTn xmlns:p14="http://schemas.microsoft.com/office/powerpoint/2010/main" id="1" dur="indefinite" restart="never" nodeType="tmRoot"/>
       </p:par>
     </p:tnLst>
   </p:timing>
@@ -4211,7 +4211,7 @@
   <p:timing>
     <p:tnLst>
       <p:par>
-        <p:cTn id="1" dur="indefinite" restart="never" nodeType="tmRoot"/>
+        <p:cTn xmlns:p14="http://schemas.microsoft.com/office/powerpoint/2010/main" id="1" dur="indefinite" restart="never" nodeType="tmRoot"/>
       </p:par>
     </p:tnLst>
   </p:timing>
@@ -4464,7 +4464,7 @@
   <p:timing>
     <p:tnLst>
       <p:par>
-        <p:cTn id="1" dur="indefinite" restart="never" nodeType="tmRoot"/>
+        <p:cTn xmlns:p14="http://schemas.microsoft.com/office/powerpoint/2010/main" id="1" dur="indefinite" restart="never" nodeType="tmRoot"/>
       </p:par>
     </p:tnLst>
   </p:timing>
@@ -5252,6 +5252,9 @@
             </a:r>
             <a:r>
               <a:rPr lang="en-US" sz="1800" dirty="0" err="1">
+                <a:solidFill>
+                  <a:srgbClr val="FF0000"/>
+                </a:solidFill>
                 <a:latin typeface="Monaco"/>
                 <a:cs typeface="Monaco"/>
               </a:rPr>
@@ -5259,14 +5262,25 @@
             </a:r>
             <a:r>
               <a:rPr lang="en-US" sz="1800" dirty="0">
+                <a:solidFill>
+                  <a:srgbClr val="FF0000"/>
+                </a:solidFill>
                 <a:latin typeface="Monaco"/>
                 <a:cs typeface="Monaco"/>
               </a:rPr>
               <a:t>()</a:t>
             </a:r>
             <a:r>
+              <a:rPr lang="en-US" sz="2000" dirty="0">
+                <a:solidFill>
+                  <a:srgbClr val="FF0000"/>
+                </a:solidFill>
+              </a:rPr>
+              <a:t> </a:t>
+            </a:r>
+            <a:r>
               <a:rPr lang="en-US" sz="2000" dirty="0"/>
-              <a:t> function to </a:t>
+              <a:t>function to </a:t>
             </a:r>
             <a:r>
               <a:rPr lang="en-US" sz="2000" dirty="0" smtClean="0"/>
@@ -5572,7 +5586,7 @@
   <p:timing>
     <p:tnLst>
       <p:par>
-        <p:cTn id="1" dur="indefinite" restart="never" nodeType="tmRoot"/>
+        <p:cTn xmlns:p14="http://schemas.microsoft.com/office/powerpoint/2010/main" id="1" dur="indefinite" restart="never" nodeType="tmRoot"/>
       </p:par>
     </p:tnLst>
   </p:timing>
@@ -6011,7 +6025,7 @@
   <p:timing>
     <p:tnLst>
       <p:par>
-        <p:cTn id="1" dur="indefinite" restart="never" nodeType="tmRoot"/>
+        <p:cTn xmlns:p14="http://schemas.microsoft.com/office/powerpoint/2010/main" id="1" dur="indefinite" restart="never" nodeType="tmRoot"/>
       </p:par>
     </p:tnLst>
   </p:timing>
@@ -6052,14 +6066,25 @@
           <a:p>
             <a:r>
               <a:rPr lang="en-US" sz="2000" dirty="0" smtClean="0">
+                <a:solidFill>
+                  <a:srgbClr val="FF0000"/>
+                </a:solidFill>
                 <a:latin typeface="Monaco"/>
                 <a:cs typeface="Monaco"/>
               </a:rPr>
               <a:t>compression</a:t>
             </a:r>
             <a:r>
+              <a:rPr lang="en-US" dirty="0" smtClean="0">
+                <a:solidFill>
+                  <a:srgbClr val="FF0000"/>
+                </a:solidFill>
+              </a:rPr>
+              <a:t> </a:t>
+            </a:r>
+            <a:r>
               <a:rPr lang="en-US" dirty="0" smtClean="0"/>
-              <a:t> should be high in the middleware stack because it wraps </a:t>
+              <a:t>should be high in the middleware stack because it wraps </a:t>
             </a:r>
             <a:r>
               <a:rPr lang="en-US" sz="2000" dirty="0" err="1" smtClean="0">
@@ -6122,6 +6147,9 @@
             </a:r>
             <a:r>
               <a:rPr lang="en-US" sz="2000" dirty="0" err="1" smtClean="0">
+                <a:solidFill>
+                  <a:srgbClr val="FF0000"/>
+                </a:solidFill>
                 <a:latin typeface="Monaco"/>
                 <a:cs typeface="Monaco"/>
               </a:rPr>
@@ -6133,6 +6161,9 @@
             </a:r>
             <a:r>
               <a:rPr lang="en-US" sz="2000" dirty="0" smtClean="0">
+                <a:solidFill>
+                  <a:srgbClr val="FF0000"/>
+                </a:solidFill>
                 <a:latin typeface="Monaco"/>
                 <a:cs typeface="Monaco"/>
               </a:rPr>
@@ -6506,7 +6537,7 @@
   <p:timing>
     <p:tnLst>
       <p:par>
-        <p:cTn id="1" dur="indefinite" restart="never" nodeType="tmRoot"/>
+        <p:cTn xmlns:p14="http://schemas.microsoft.com/office/powerpoint/2010/main" id="1" dur="indefinite" restart="never" nodeType="tmRoot"/>
       </p:par>
     </p:tnLst>
   </p:timing>
@@ -7052,7 +7083,7 @@
   <p:timing>
     <p:tnLst>
       <p:par>
-        <p:cTn id="1" dur="indefinite" restart="never" nodeType="tmRoot"/>
+        <p:cTn xmlns:p14="http://schemas.microsoft.com/office/powerpoint/2010/main" id="1" dur="indefinite" restart="never" nodeType="tmRoot"/>
       </p:par>
     </p:tnLst>
   </p:timing>
@@ -7673,7 +7704,7 @@
   <p:timing>
     <p:tnLst>
       <p:par>
-        <p:cTn id="1" dur="indefinite" restart="never" nodeType="tmRoot"/>
+        <p:cTn xmlns:p14="http://schemas.microsoft.com/office/powerpoint/2010/main" id="1" dur="indefinite" restart="never" nodeType="tmRoot"/>
       </p:par>
     </p:tnLst>
   </p:timing>
@@ -8196,7 +8227,7 @@
   <p:timing>
     <p:tnLst>
       <p:par>
-        <p:cTn id="1" dur="indefinite" restart="never" nodeType="tmRoot"/>
+        <p:cTn xmlns:p14="http://schemas.microsoft.com/office/powerpoint/2010/main" id="1" dur="indefinite" restart="never" nodeType="tmRoot"/>
       </p:par>
     </p:tnLst>
   </p:timing>
@@ -8370,7 +8401,7 @@
   <p:timing>
     <p:tnLst>
       <p:par>
-        <p:cTn id="1" dur="indefinite" restart="never" nodeType="tmRoot"/>
+        <p:cTn xmlns:p14="http://schemas.microsoft.com/office/powerpoint/2010/main" id="1" dur="indefinite" restart="never" nodeType="tmRoot"/>
       </p:par>
     </p:tnLst>
   </p:timing>
@@ -8552,7 +8583,7 @@
   <p:timing>
     <p:tnLst>
       <p:par>
-        <p:cTn id="1" dur="indefinite" restart="never" nodeType="tmRoot"/>
+        <p:cTn xmlns:p14="http://schemas.microsoft.com/office/powerpoint/2010/main" id="1" dur="indefinite" restart="never" nodeType="tmRoot"/>
       </p:par>
     </p:tnLst>
   </p:timing>
@@ -8703,6 +8734,9 @@
             </a:r>
             <a:r>
               <a:rPr lang="en-US" sz="2000" dirty="0" err="1">
+                <a:solidFill>
+                  <a:srgbClr val="FF0000"/>
+                </a:solidFill>
                 <a:latin typeface="Monaco"/>
               </a:rPr>
               <a:t>req.cookies</a:t>
@@ -9481,7 +9515,7 @@
   <p:timing>
     <p:tnLst>
       <p:par>
-        <p:cTn id="1" dur="indefinite" restart="never" nodeType="tmRoot"/>
+        <p:cTn xmlns:p14="http://schemas.microsoft.com/office/powerpoint/2010/main" id="1" dur="indefinite" restart="never" nodeType="tmRoot"/>
       </p:par>
     </p:tnLst>
   </p:timing>
@@ -9565,6 +9599,9 @@
             </a:r>
             <a:r>
               <a:rPr lang="en-US" sz="2000" dirty="0" err="1" smtClean="0">
+                <a:solidFill>
+                  <a:srgbClr val="FF0000"/>
+                </a:solidFill>
                 <a:latin typeface="Monaco"/>
                 <a:cs typeface="Monaco"/>
               </a:rPr>
@@ -9582,25 +9619,47 @@
             </a:r>
             <a:r>
               <a:rPr lang="en-US" sz="2000" dirty="0" err="1">
+                <a:solidFill>
+                  <a:srgbClr val="FF0000"/>
+                </a:solidFill>
                 <a:latin typeface="Monaco"/>
                 <a:cs typeface="Monaco"/>
               </a:rPr>
               <a:t>gzip</a:t>
             </a:r>
             <a:r>
+              <a:rPr lang="en-US" dirty="0" smtClean="0">
+                <a:solidFill>
+                  <a:srgbClr val="FF0000"/>
+                </a:solidFill>
+              </a:rPr>
+              <a:t> </a:t>
+            </a:r>
+            <a:r>
               <a:rPr lang="en-US" dirty="0" smtClean="0"/>
-              <a:t> and </a:t>
+              <a:t>and </a:t>
             </a:r>
             <a:r>
               <a:rPr lang="en-US" sz="2000" dirty="0">
+                <a:solidFill>
+                  <a:srgbClr val="FF0000"/>
+                </a:solidFill>
                 <a:latin typeface="Monaco"/>
                 <a:cs typeface="Monaco"/>
               </a:rPr>
               <a:t>deflate</a:t>
             </a:r>
             <a:r>
+              <a:rPr lang="en-US" dirty="0" smtClean="0">
+                <a:solidFill>
+                  <a:srgbClr val="FF0000"/>
+                </a:solidFill>
+              </a:rPr>
+              <a:t> </a:t>
+            </a:r>
+            <a:r>
               <a:rPr lang="en-US" dirty="0" smtClean="0"/>
-              <a:t> encodings</a:t>
+              <a:t>encodings</a:t>
             </a:r>
           </a:p>
           <a:p>
@@ -9684,7 +9743,7 @@
   <p:timing>
     <p:tnLst>
       <p:par>
-        <p:cTn id="1" dur="indefinite" restart="never" nodeType="tmRoot"/>
+        <p:cTn xmlns:p14="http://schemas.microsoft.com/office/powerpoint/2010/main" id="1" dur="indefinite" restart="never" nodeType="tmRoot"/>
       </p:par>
     </p:tnLst>
   </p:timing>
@@ -9724,7 +9783,11 @@
           <a:lstStyle/>
           <a:p>
             <a:r>
-              <a:rPr lang="en-US" dirty="0" err="1" smtClean="0"/>
+              <a:rPr lang="en-US" dirty="0" err="1" smtClean="0">
+                <a:solidFill>
+                  <a:srgbClr val="FF0000"/>
+                </a:solidFill>
+              </a:rPr>
               <a:t>bodyParser.json</a:t>
             </a:r>
             <a:r>
@@ -9762,7 +9825,11 @@
           </a:p>
           <a:p>
             <a:r>
-              <a:rPr lang="en-US" dirty="0" err="1"/>
+              <a:rPr lang="en-US" dirty="0" err="1">
+                <a:solidFill>
+                  <a:srgbClr val="FF0000"/>
+                </a:solidFill>
+              </a:rPr>
               <a:t>bodyParser.raw</a:t>
             </a:r>
             <a:r>
@@ -9792,7 +9859,11 @@
           </a:p>
           <a:p>
             <a:r>
-              <a:rPr lang="en-US" dirty="0" err="1"/>
+              <a:rPr lang="en-US" dirty="0" err="1">
+                <a:solidFill>
+                  <a:srgbClr val="FF0000"/>
+                </a:solidFill>
+              </a:rPr>
               <a:t>bodyParser.text</a:t>
             </a:r>
             <a:r>
@@ -9814,7 +9885,11 @@
           </a:p>
           <a:p>
             <a:r>
-              <a:rPr lang="en-US" dirty="0" err="1"/>
+              <a:rPr lang="en-US" dirty="0" err="1">
+                <a:solidFill>
+                  <a:srgbClr val="FF0000"/>
+                </a:solidFill>
+              </a:rPr>
               <a:t>bodyParser.urlencoded</a:t>
             </a:r>
             <a:r>
@@ -10726,7 +10801,7 @@
   <p:timing>
     <p:tnLst>
       <p:par>
-        <p:cTn id="1" dur="indefinite" restart="never" nodeType="tmRoot"/>
+        <p:cTn xmlns:p14="http://schemas.microsoft.com/office/powerpoint/2010/main" id="1" dur="indefinite" restart="never" nodeType="tmRoot"/>
       </p:par>
     </p:tnLst>
   </p:timing>
@@ -11301,7 +11376,7 @@
   <p:timing>
     <p:tnLst>
       <p:par>
-        <p:cTn id="1" dur="indefinite" restart="never" nodeType="tmRoot"/>
+        <p:cTn xmlns:p14="http://schemas.microsoft.com/office/powerpoint/2010/main" id="1" dur="indefinite" restart="never" nodeType="tmRoot"/>
       </p:par>
     </p:tnLst>
   </p:timing>
@@ -11544,7 +11619,7 @@
   <p:timing>
     <p:tnLst>
       <p:par>
-        <p:cTn id="1" dur="indefinite" restart="never" nodeType="tmRoot"/>
+        <p:cTn xmlns:p14="http://schemas.microsoft.com/office/powerpoint/2010/main" id="1" dur="indefinite" restart="never" nodeType="tmRoot"/>
       </p:par>
     </p:tnLst>
   </p:timing>

--- a/node/lesson-60-express-middleware/express-middleware.pptx
+++ b/node/lesson-60-express-middleware/express-middleware.pptx
@@ -3588,6 +3588,13 @@
       <p:transition/>
     </mc:Fallback>
   </mc:AlternateContent>
+  <p:timing>
+    <p:tnLst>
+      <p:par>
+        <p:cTn xmlns:p14="http://schemas.microsoft.com/office/powerpoint/2010/main" id="1" dur="indefinite" restart="never" nodeType="tmRoot"/>
+      </p:par>
+    </p:tnLst>
+  </p:timing>
 </p:sld>
 </file>
 
@@ -4381,6 +4388,9 @@
             </a:r>
             <a:r>
               <a:rPr lang="en-US" sz="2000" dirty="0">
+                <a:solidFill>
+                  <a:srgbClr val="FF0000"/>
+                </a:solidFill>
                 <a:latin typeface="Monaco"/>
               </a:rPr>
               <a:t>cookie-session</a:t>
@@ -5184,6 +5194,13 @@
       <p:transition/>
     </mc:Fallback>
   </mc:AlternateContent>
+  <p:timing>
+    <p:tnLst>
+      <p:par>
+        <p:cTn xmlns:p14="http://schemas.microsoft.com/office/powerpoint/2010/main" id="1" dur="indefinite" restart="never" nodeType="tmRoot"/>
+      </p:par>
+    </p:tnLst>
+  </p:timing>
 </p:sld>
 </file>
 
@@ -5226,8 +5243,16 @@
           </a:p>
           <a:p>
             <a:r>
+              <a:rPr lang="en-US" dirty="0" smtClean="0">
+                <a:solidFill>
+                  <a:srgbClr val="FF0000"/>
+                </a:solidFill>
+              </a:rPr>
+              <a:t>Requires</a:t>
+            </a:r>
+            <a:r>
               <a:rPr lang="en-US" dirty="0" smtClean="0"/>
-              <a:t>Requires session support so it should be added </a:t>
+              <a:t> session support so it should be added </a:t>
             </a:r>
             <a:r>
               <a:rPr lang="en-US" i="1" dirty="0" smtClean="0"/>
@@ -6130,6 +6155,9 @@
             </a:r>
             <a:r>
               <a:rPr lang="en-US" sz="2000" dirty="0" smtClean="0">
+                <a:solidFill>
+                  <a:srgbClr val="FF0000"/>
+                </a:solidFill>
                 <a:latin typeface="Monaco"/>
                 <a:cs typeface="Monaco"/>
               </a:rPr>
@@ -6578,15 +6606,79 @@
           <a:p>
             <a:r>
               <a:rPr lang="en-US" dirty="0" smtClean="0"/>
-              <a:t>Handles requests for the favicon</a:t>
-            </a:r>
-          </a:p>
-          <a:p>
+              <a:t>Handles requests for the </a:t>
+            </a:r>
             <a:r>
               <a:rPr lang="en-US" dirty="0" smtClean="0"/>
-              <a:t>Typically declared first in a stack of middleware</a:t>
+              <a:t>favicon</a:t>
+            </a:r>
+          </a:p>
+          <a:p>
+            <a:r>
+              <a:rPr lang="en-US" dirty="0" smtClean="0"/>
+              <a:t>Typically </a:t>
+            </a:r>
+            <a:r>
+              <a:rPr lang="en-US" dirty="0" smtClean="0"/>
+              <a:t>declared first in a stack of </a:t>
+            </a:r>
+            <a:r>
+              <a:rPr lang="en-US" dirty="0" smtClean="0"/>
+              <a:t>middleware</a:t>
+            </a:r>
+          </a:p>
+          <a:p>
+            <a:pPr lvl="1"/>
+            <a:r>
+              <a:rPr lang="en-US" dirty="0" smtClean="0"/>
+              <a:t>URL is </a:t>
+            </a:r>
+            <a:r>
+              <a:rPr lang="en-US" dirty="0" smtClean="0">
+                <a:solidFill>
+                  <a:srgbClr val="FF0000"/>
+                </a:solidFill>
+              </a:rPr>
+              <a:t>/</a:t>
+            </a:r>
+            <a:r>
+              <a:rPr lang="en-US" dirty="0" err="1" smtClean="0">
+                <a:solidFill>
+                  <a:srgbClr val="FF0000"/>
+                </a:solidFill>
+              </a:rPr>
+              <a:t>favicon.ico</a:t>
+            </a:r>
+            <a:endParaRPr lang="en-US" dirty="0" smtClean="0">
+              <a:solidFill>
+                <a:srgbClr val="FF0000"/>
+              </a:solidFill>
+            </a:endParaRPr>
+          </a:p>
+          <a:p>
+            <a:r>
+              <a:rPr lang="en-US" dirty="0" smtClean="0"/>
+              <a:t>Allows </a:t>
+            </a:r>
+            <a:r>
+              <a:rPr lang="en-US" dirty="0"/>
+              <a:t>the icon to be </a:t>
+            </a:r>
+            <a:r>
+              <a:rPr lang="en-US" dirty="0" smtClean="0"/>
+              <a:t>anywhere</a:t>
             </a:r>
             <a:endParaRPr lang="en-US" dirty="0"/>
+          </a:p>
+          <a:p>
+            <a:pPr marL="0" indent="0">
+              <a:buNone/>
+            </a:pPr>
+            <a:endParaRPr lang="en-US" dirty="0">
+              <a:solidFill>
+                <a:srgbClr val="FF0000"/>
+              </a:solidFill>
+            </a:endParaRPr>
           </a:p>
         </p:txBody>
       </p:sp>
@@ -7745,7 +7837,15 @@
           <a:p>
             <a:r>
               <a:rPr lang="en-US" dirty="0" smtClean="0"/>
-              <a:t>Serves directory lists allowing users to browse remote files</a:t>
+              <a:t>Serves directory </a:t>
+            </a:r>
+            <a:r>
+              <a:rPr lang="en-US" dirty="0" smtClean="0"/>
+              <a:t>listing </a:t>
+            </a:r>
+            <a:r>
+              <a:rPr lang="en-US" dirty="0" smtClean="0"/>
+              <a:t>allowing users to browse remote files</a:t>
             </a:r>
           </a:p>
           <a:p>
@@ -8683,6 +8783,13 @@
       <p:transition/>
     </mc:Fallback>
   </mc:AlternateContent>
+  <p:timing>
+    <p:tnLst>
+      <p:par>
+        <p:cTn xmlns:p14="http://schemas.microsoft.com/office/powerpoint/2010/main" id="1" dur="indefinite" restart="never" nodeType="tmRoot"/>
+      </p:par>
+    </p:tnLst>
+  </p:timing>
 </p:sld>
 </file>
 
@@ -9990,6 +10097,13 @@
       <p:transition/>
     </mc:Fallback>
   </mc:AlternateContent>
+  <p:timing>
+    <p:tnLst>
+      <p:par>
+        <p:cTn xmlns:p14="http://schemas.microsoft.com/office/powerpoint/2010/main" id="1" dur="indefinite" restart="never" nodeType="tmRoot"/>
+      </p:par>
+    </p:tnLst>
+  </p:timing>
 </p:sld>
 </file>
 
@@ -11424,7 +11538,24 @@
                 <a:latin typeface="Monaco"/>
                 <a:cs typeface="Monaco"/>
               </a:rPr>
-              <a:t>&lt;form&gt;</a:t>
+              <a:t>&lt;</a:t>
+            </a:r>
+            <a:r>
+              <a:rPr lang="en-US" sz="2000" dirty="0" smtClean="0">
+                <a:solidFill>
+                  <a:srgbClr val="FF0000"/>
+                </a:solidFill>
+                <a:latin typeface="Monaco"/>
+                <a:cs typeface="Monaco"/>
+              </a:rPr>
+              <a:t>form</a:t>
+            </a:r>
+            <a:r>
+              <a:rPr lang="en-US" sz="2000" dirty="0" smtClean="0">
+                <a:latin typeface="Monaco"/>
+                <a:cs typeface="Monaco"/>
+              </a:rPr>
+              <a:t>&gt;</a:t>
             </a:r>
             <a:r>
               <a:rPr lang="en-US" dirty="0" smtClean="0"/>
@@ -11452,6 +11583,9 @@
           <a:p>
             <a:r>
               <a:rPr lang="en-US" sz="2000" dirty="0" smtClean="0">
+                <a:solidFill>
+                  <a:srgbClr val="FF0000"/>
+                </a:solidFill>
                 <a:latin typeface="Monaco"/>
                 <a:cs typeface="Monaco"/>
               </a:rPr>
@@ -11488,7 +11622,24 @@
                 <a:latin typeface="Monaco"/>
                 <a:cs typeface="Monaco"/>
               </a:rPr>
-              <a:t>&lt;form&gt;</a:t>
+              <a:t>&lt;</a:t>
+            </a:r>
+            <a:r>
+              <a:rPr lang="en-US" sz="2000" dirty="0" smtClean="0">
+                <a:solidFill>
+                  <a:srgbClr val="FF0000"/>
+                </a:solidFill>
+                <a:latin typeface="Monaco"/>
+                <a:cs typeface="Monaco"/>
+              </a:rPr>
+              <a:t>form</a:t>
+            </a:r>
+            <a:r>
+              <a:rPr lang="en-US" sz="2000" dirty="0" smtClean="0">
+                <a:latin typeface="Monaco"/>
+                <a:cs typeface="Monaco"/>
+              </a:rPr>
+              <a:t>&gt;</a:t>
             </a:r>
             <a:r>
               <a:rPr lang="en-US" dirty="0" smtClean="0"/>
@@ -11503,6 +11654,9 @@
           <a:p>
             <a:r>
               <a:rPr lang="en-US" sz="2000" dirty="0" smtClean="0">
+                <a:solidFill>
+                  <a:srgbClr val="FF0000"/>
+                </a:solidFill>
                 <a:latin typeface="Monaco"/>
                 <a:cs typeface="Monaco"/>
               </a:rPr>
@@ -11514,6 +11668,9 @@
             </a:r>
             <a:r>
               <a:rPr lang="en-US" sz="2000" dirty="0" err="1" smtClean="0">
+                <a:solidFill>
+                  <a:srgbClr val="FF0000"/>
+                </a:solidFill>
                 <a:latin typeface="Monaco"/>
                 <a:cs typeface="Monaco"/>
               </a:rPr>
@@ -11531,12 +11688,18 @@
             </a:r>
             <a:r>
               <a:rPr lang="en-US" sz="2000" dirty="0" err="1" smtClean="0">
+                <a:solidFill>
+                  <a:srgbClr val="FF0000"/>
+                </a:solidFill>
                 <a:latin typeface="Monaco"/>
                 <a:cs typeface="Monaco"/>
               </a:rPr>
               <a:t>req.originalMethod</a:t>
             </a:r>
             <a:endParaRPr lang="en-US" sz="2000" dirty="0">
+              <a:solidFill>
+                <a:srgbClr val="FF0000"/>
+              </a:solidFill>
               <a:latin typeface="Monaco"/>
               <a:cs typeface="Monaco"/>
             </a:endParaRPr>

--- a/node/lesson-60-express-middleware/express-middleware.pptx
+++ b/node/lesson-60-express-middleware/express-middleware.pptx
@@ -35,7 +35,7 @@
   <p:sldSz cx="9144000" cy="6858000" type="screen4x3"/>
   <p:notesSz cx="6858000" cy="9144000"/>
   <p:custDataLst>
-    <p:tags r:id="rId25"/>
+    <p:tags r:id="rId24"/>
   </p:custDataLst>
   <p:defaultTextStyle>
     <a:defPPr>
@@ -132,6 +132,71 @@
       </a:defRPr>
     </a:lvl9pPr>
   </p:defaultTextStyle>
+  <p:extLst>
+    <p:ext uri="{EFAFB233-063F-42B5-8137-9DF3F51BA10A}">
+      <p15:sldGuideLst xmlns:p15="http://schemas.microsoft.com/office/powerpoint/2012/main">
+        <p15:guide id="1" orient="horz" pos="4176">
+          <p15:clr>
+            <a:srgbClr val="A4A3A4"/>
+          </p15:clr>
+        </p15:guide>
+        <p15:guide id="2" orient="horz" pos="607">
+          <p15:clr>
+            <a:srgbClr val="A4A3A4"/>
+          </p15:clr>
+        </p15:guide>
+        <p15:guide id="3" orient="horz" pos="212">
+          <p15:clr>
+            <a:srgbClr val="A4A3A4"/>
+          </p15:clr>
+        </p15:guide>
+        <p15:guide id="4" orient="horz" pos="912">
+          <p15:clr>
+            <a:srgbClr val="A4A3A4"/>
+          </p15:clr>
+        </p15:guide>
+        <p15:guide id="5" orient="horz" pos="3969">
+          <p15:clr>
+            <a:srgbClr val="A4A3A4"/>
+          </p15:clr>
+        </p15:guide>
+        <p15:guide id="6" pos="1267">
+          <p15:clr>
+            <a:srgbClr val="A4A3A4"/>
+          </p15:clr>
+        </p15:guide>
+        <p15:guide id="7" pos="382">
+          <p15:clr>
+            <a:srgbClr val="A4A3A4"/>
+          </p15:clr>
+        </p15:guide>
+        <p15:guide id="8" pos="2880">
+          <p15:clr>
+            <a:srgbClr val="A4A3A4"/>
+          </p15:clr>
+        </p15:guide>
+        <p15:guide id="9" pos="5568">
+          <p15:clr>
+            <a:srgbClr val="A4A3A4"/>
+          </p15:clr>
+        </p15:guide>
+      </p15:sldGuideLst>
+    </p:ext>
+    <p:ext uri="{2D200454-40CA-4A62-9FC3-DE9A4176ACB9}">
+      <p15:notesGuideLst xmlns:p15="http://schemas.microsoft.com/office/powerpoint/2012/main">
+        <p15:guide id="1" orient="horz" pos="2880">
+          <p15:clr>
+            <a:srgbClr val="A4A3A4"/>
+          </p15:clr>
+        </p15:guide>
+        <p15:guide id="2" pos="2160">
+          <p15:clr>
+            <a:srgbClr val="A4A3A4"/>
+          </p15:clr>
+        </p15:guide>
+      </p15:notesGuideLst>
+    </p:ext>
+  </p:extLst>
 </p:presentation>
 </file>
 
@@ -1150,7 +1215,7 @@
   <p:timing>
     <p:tnLst>
       <p:par>
-        <p:cTn xmlns:p14="http://schemas.microsoft.com/office/powerpoint/2010/main" id="1" dur="indefinite" restart="never" nodeType="tmRoot"/>
+        <p:cTn id="1" dur="indefinite" restart="never" nodeType="tmRoot"/>
       </p:par>
     </p:tnLst>
   </p:timing>
@@ -1206,7 +1271,7 @@
           <a:noFill/>
           <a:extLst>
             <a:ext uri="{909E8E84-426E-40dd-AFC4-6F175D3DCCD1}">
-              <a14:hiddenFill xmlns:a14="http://schemas.microsoft.com/office/drawing/2010/main">
+              <a14:hiddenFill xmlns:a14="http://schemas.microsoft.com/office/drawing/2010/main" xmlns="">
                 <a:solidFill>
                   <a:srgbClr val="FFFFFF"/>
                 </a:solidFill>
@@ -1361,7 +1426,7 @@
   <p:timing>
     <p:tnLst>
       <p:par>
-        <p:cTn xmlns:p14="http://schemas.microsoft.com/office/powerpoint/2010/main" id="1" dur="indefinite" restart="never" nodeType="tmRoot"/>
+        <p:cTn id="1" dur="indefinite" restart="never" nodeType="tmRoot"/>
       </p:par>
     </p:tnLst>
   </p:timing>
@@ -1816,7 +1881,7 @@
   <p:timing>
     <p:tnLst>
       <p:par>
-        <p:cTn xmlns:p14="http://schemas.microsoft.com/office/powerpoint/2010/main" id="1" dur="indefinite" restart="never" nodeType="tmRoot"/>
+        <p:cTn id="1" dur="indefinite" restart="never" nodeType="tmRoot"/>
       </p:par>
     </p:tnLst>
   </p:timing>
@@ -2156,7 +2221,7 @@
   <p:timing>
     <p:tnLst>
       <p:par>
-        <p:cTn xmlns:p14="http://schemas.microsoft.com/office/powerpoint/2010/main" id="1" dur="indefinite" restart="never" nodeType="tmRoot"/>
+        <p:cTn id="1" dur="indefinite" restart="never" nodeType="tmRoot"/>
       </p:par>
     </p:tnLst>
   </p:timing>
@@ -2644,7 +2709,7 @@
   <p:timing>
     <p:tnLst>
       <p:par>
-        <p:cTn xmlns:p14="http://schemas.microsoft.com/office/powerpoint/2010/main" id="1" dur="indefinite" restart="never" nodeType="tmRoot"/>
+        <p:cTn id="1" dur="indefinite" restart="never" nodeType="tmRoot"/>
       </p:par>
     </p:tnLst>
   </p:timing>
@@ -3002,7 +3067,7 @@
   <p:timing>
     <p:tnLst>
       <p:par>
-        <p:cTn xmlns:p14="http://schemas.microsoft.com/office/powerpoint/2010/main" id="1" dur="indefinite" restart="never" nodeType="tmRoot"/>
+        <p:cTn id="1" dur="indefinite" restart="never" nodeType="tmRoot"/>
       </p:par>
     </p:tnLst>
   </p:timing>
@@ -3591,7 +3656,7 @@
   <p:timing>
     <p:tnLst>
       <p:par>
-        <p:cTn xmlns:p14="http://schemas.microsoft.com/office/powerpoint/2010/main" id="1" dur="indefinite" restart="never" nodeType="tmRoot"/>
+        <p:cTn id="1" dur="indefinite" restart="never" nodeType="tmRoot"/>
       </p:par>
     </p:tnLst>
   </p:timing>
@@ -4218,7 +4283,7 @@
   <p:timing>
     <p:tnLst>
       <p:par>
-        <p:cTn xmlns:p14="http://schemas.microsoft.com/office/powerpoint/2010/main" id="1" dur="indefinite" restart="never" nodeType="tmRoot"/>
+        <p:cTn id="1" dur="indefinite" restart="never" nodeType="tmRoot"/>
       </p:par>
     </p:tnLst>
   </p:timing>
@@ -4474,7 +4539,7 @@
   <p:timing>
     <p:tnLst>
       <p:par>
-        <p:cTn xmlns:p14="http://schemas.microsoft.com/office/powerpoint/2010/main" id="1" dur="indefinite" restart="never" nodeType="tmRoot"/>
+        <p:cTn id="1" dur="indefinite" restart="never" nodeType="tmRoot"/>
       </p:par>
     </p:tnLst>
   </p:timing>
@@ -5197,7 +5262,7 @@
   <p:timing>
     <p:tnLst>
       <p:par>
-        <p:cTn xmlns:p14="http://schemas.microsoft.com/office/powerpoint/2010/main" id="1" dur="indefinite" restart="never" nodeType="tmRoot"/>
+        <p:cTn id="1" dur="indefinite" restart="never" nodeType="tmRoot"/>
       </p:par>
     </p:tnLst>
   </p:timing>
@@ -5611,7 +5676,7 @@
   <p:timing>
     <p:tnLst>
       <p:par>
-        <p:cTn xmlns:p14="http://schemas.microsoft.com/office/powerpoint/2010/main" id="1" dur="indefinite" restart="never" nodeType="tmRoot"/>
+        <p:cTn id="1" dur="indefinite" restart="never" nodeType="tmRoot"/>
       </p:par>
     </p:tnLst>
   </p:timing>
@@ -6050,7 +6115,7 @@
   <p:timing>
     <p:tnLst>
       <p:par>
-        <p:cTn xmlns:p14="http://schemas.microsoft.com/office/powerpoint/2010/main" id="1" dur="indefinite" restart="never" nodeType="tmRoot"/>
+        <p:cTn id="1" dur="indefinite" restart="never" nodeType="tmRoot"/>
       </p:par>
     </p:tnLst>
   </p:timing>
@@ -6565,7 +6630,7 @@
   <p:timing>
     <p:tnLst>
       <p:par>
-        <p:cTn xmlns:p14="http://schemas.microsoft.com/office/powerpoint/2010/main" id="1" dur="indefinite" restart="never" nodeType="tmRoot"/>
+        <p:cTn id="1" dur="indefinite" restart="never" nodeType="tmRoot"/>
       </p:par>
     </p:tnLst>
   </p:timing>
@@ -6606,25 +6671,13 @@
           <a:p>
             <a:r>
               <a:rPr lang="en-US" dirty="0" smtClean="0"/>
-              <a:t>Handles requests for the </a:t>
-            </a:r>
+              <a:t>Handles requests for the favicon</a:t>
+            </a:r>
+          </a:p>
+          <a:p>
             <a:r>
               <a:rPr lang="en-US" dirty="0" smtClean="0"/>
-              <a:t>favicon</a:t>
-            </a:r>
-          </a:p>
-          <a:p>
-            <a:r>
-              <a:rPr lang="en-US" dirty="0" smtClean="0"/>
-              <a:t>Typically </a:t>
-            </a:r>
-            <a:r>
-              <a:rPr lang="en-US" dirty="0" smtClean="0"/>
-              <a:t>declared first in a stack of </a:t>
-            </a:r>
-            <a:r>
-              <a:rPr lang="en-US" dirty="0" smtClean="0"/>
-              <a:t>middleware</a:t>
+              <a:t>Typically declared first in a stack of middleware</a:t>
             </a:r>
           </a:p>
           <a:p>
@@ -7175,7 +7228,7 @@
   <p:timing>
     <p:tnLst>
       <p:par>
-        <p:cTn xmlns:p14="http://schemas.microsoft.com/office/powerpoint/2010/main" id="1" dur="indefinite" restart="never" nodeType="tmRoot"/>
+        <p:cTn id="1" dur="indefinite" restart="never" nodeType="tmRoot"/>
       </p:par>
     </p:tnLst>
   </p:timing>
@@ -7222,7 +7275,33 @@
           <a:p>
             <a:r>
               <a:rPr lang="en-US" dirty="0" smtClean="0"/>
-              <a:t>Options object controls some behaviors</a:t>
+              <a:t>Options object controls some </a:t>
+            </a:r>
+            <a:r>
+              <a:rPr lang="en-US" dirty="0" smtClean="0"/>
+              <a:t>behaviors</a:t>
+            </a:r>
+          </a:p>
+          <a:p>
+            <a:pPr lvl="1"/>
+            <a:r>
+              <a:rPr lang="en-US" dirty="0"/>
+              <a:t> </a:t>
+            </a:r>
+            <a:r>
+              <a:rPr lang="en-US" dirty="0" smtClean="0"/>
+              <a:t>icons: true       // adds folder, file icons</a:t>
+            </a:r>
+          </a:p>
+          <a:p>
+            <a:pPr lvl="1"/>
+            <a:r>
+              <a:rPr lang="en-US" dirty="0"/>
+              <a:t> </a:t>
+            </a:r>
+            <a:r>
+              <a:rPr lang="en-US" dirty="0" smtClean="0"/>
+              <a:t>view: ‘details’  // displays in a table</a:t>
             </a:r>
             <a:endParaRPr lang="en-US" dirty="0"/>
           </a:p>
@@ -7291,8 +7370,8 @@
         </p:nvSpPr>
         <p:spPr>
           <a:xfrm>
-            <a:off x="820387" y="3784193"/>
-            <a:ext cx="7333013" cy="1800493"/>
+            <a:off x="461169" y="3762756"/>
+            <a:ext cx="8229600" cy="1815882"/>
           </a:xfrm>
           <a:prstGeom prst="rect">
             <a:avLst/>
@@ -7503,16 +7582,16 @@
               <a:t>app.use</a:t>
             </a:r>
             <a:r>
-              <a:rPr lang="en-US" sz="1400" dirty="0">
-                <a:solidFill>
-                  <a:srgbClr val="000000"/>
-                </a:solidFill>
-                <a:latin typeface="Monaco"/>
-              </a:rPr>
-              <a:t>(</a:t>
-            </a:r>
-            <a:r>
-              <a:rPr lang="en-US" sz="1400" dirty="0" err="1">
+              <a:rPr lang="en-US" sz="1400" dirty="0" smtClean="0">
+                <a:solidFill>
+                  <a:srgbClr val="000000"/>
+                </a:solidFill>
+                <a:latin typeface="Monaco"/>
+              </a:rPr>
+              <a:t>(‘/ftp’, </a:t>
+            </a:r>
+            <a:r>
+              <a:rPr lang="en-US" sz="1400" dirty="0" err="1" smtClean="0">
                 <a:solidFill>
                   <a:srgbClr val="000000"/>
                 </a:solidFill>
@@ -7796,7 +7875,7 @@
   <p:timing>
     <p:tnLst>
       <p:par>
-        <p:cTn xmlns:p14="http://schemas.microsoft.com/office/powerpoint/2010/main" id="1" dur="indefinite" restart="never" nodeType="tmRoot"/>
+        <p:cTn id="1" dur="indefinite" restart="never" nodeType="tmRoot"/>
       </p:par>
     </p:tnLst>
   </p:timing>
@@ -7837,15 +7916,7 @@
           <a:p>
             <a:r>
               <a:rPr lang="en-US" dirty="0" smtClean="0"/>
-              <a:t>Serves directory </a:t>
-            </a:r>
-            <a:r>
-              <a:rPr lang="en-US" dirty="0" smtClean="0"/>
-              <a:t>listing </a:t>
-            </a:r>
-            <a:r>
-              <a:rPr lang="en-US" dirty="0" smtClean="0"/>
-              <a:t>allowing users to browse remote files</a:t>
+              <a:t>Serves directory listing allowing users to browse remote files</a:t>
             </a:r>
           </a:p>
           <a:p>
@@ -8327,7 +8398,7 @@
   <p:timing>
     <p:tnLst>
       <p:par>
-        <p:cTn xmlns:p14="http://schemas.microsoft.com/office/powerpoint/2010/main" id="1" dur="indefinite" restart="never" nodeType="tmRoot"/>
+        <p:cTn id="1" dur="indefinite" restart="never" nodeType="tmRoot"/>
       </p:par>
     </p:tnLst>
   </p:timing>
@@ -8501,7 +8572,7 @@
   <p:timing>
     <p:tnLst>
       <p:par>
-        <p:cTn xmlns:p14="http://schemas.microsoft.com/office/powerpoint/2010/main" id="1" dur="indefinite" restart="never" nodeType="tmRoot"/>
+        <p:cTn id="1" dur="indefinite" restart="never" nodeType="tmRoot"/>
       </p:par>
     </p:tnLst>
   </p:timing>
@@ -8683,7 +8754,7 @@
   <p:timing>
     <p:tnLst>
       <p:par>
-        <p:cTn xmlns:p14="http://schemas.microsoft.com/office/powerpoint/2010/main" id="1" dur="indefinite" restart="never" nodeType="tmRoot"/>
+        <p:cTn id="1" dur="indefinite" restart="never" nodeType="tmRoot"/>
       </p:par>
     </p:tnLst>
   </p:timing>
@@ -8786,7 +8857,7 @@
   <p:timing>
     <p:tnLst>
       <p:par>
-        <p:cTn xmlns:p14="http://schemas.microsoft.com/office/powerpoint/2010/main" id="1" dur="indefinite" restart="never" nodeType="tmRoot"/>
+        <p:cTn id="1" dur="indefinite" restart="never" nodeType="tmRoot"/>
       </p:par>
     </p:tnLst>
   </p:timing>
@@ -9622,7 +9693,7 @@
   <p:timing>
     <p:tnLst>
       <p:par>
-        <p:cTn xmlns:p14="http://schemas.microsoft.com/office/powerpoint/2010/main" id="1" dur="indefinite" restart="never" nodeType="tmRoot"/>
+        <p:cTn id="1" dur="indefinite" restart="never" nodeType="tmRoot"/>
       </p:par>
     </p:tnLst>
   </p:timing>
@@ -9850,7 +9921,7 @@
   <p:timing>
     <p:tnLst>
       <p:par>
-        <p:cTn xmlns:p14="http://schemas.microsoft.com/office/powerpoint/2010/main" id="1" dur="indefinite" restart="never" nodeType="tmRoot"/>
+        <p:cTn id="1" dur="indefinite" restart="never" nodeType="tmRoot"/>
       </p:par>
     </p:tnLst>
   </p:timing>
@@ -10100,7 +10171,7 @@
   <p:timing>
     <p:tnLst>
       <p:par>
-        <p:cTn xmlns:p14="http://schemas.microsoft.com/office/powerpoint/2010/main" id="1" dur="indefinite" restart="never" nodeType="tmRoot"/>
+        <p:cTn id="1" dur="indefinite" restart="never" nodeType="tmRoot"/>
       </p:par>
     </p:tnLst>
   </p:timing>
@@ -10915,7 +10986,7 @@
   <p:timing>
     <p:tnLst>
       <p:par>
-        <p:cTn xmlns:p14="http://schemas.microsoft.com/office/powerpoint/2010/main" id="1" dur="indefinite" restart="never" nodeType="tmRoot"/>
+        <p:cTn id="1" dur="indefinite" restart="never" nodeType="tmRoot"/>
       </p:par>
     </p:tnLst>
   </p:timing>
@@ -11490,7 +11561,7 @@
   <p:timing>
     <p:tnLst>
       <p:par>
-        <p:cTn xmlns:p14="http://schemas.microsoft.com/office/powerpoint/2010/main" id="1" dur="indefinite" restart="never" nodeType="tmRoot"/>
+        <p:cTn id="1" dur="indefinite" restart="never" nodeType="tmRoot"/>
       </p:par>
     </p:tnLst>
   </p:timing>
@@ -11782,7 +11853,7 @@
   <p:timing>
     <p:tnLst>
       <p:par>
-        <p:cTn xmlns:p14="http://schemas.microsoft.com/office/powerpoint/2010/main" id="1" dur="indefinite" restart="never" nodeType="tmRoot"/>
+        <p:cTn id="1" dur="indefinite" restart="never" nodeType="tmRoot"/>
       </p:par>
     </p:tnLst>
   </p:timing>
